--- a/2018180040 - 2DGP 최종 발표 프레젠테이션 (예정).pptx
+++ b/2018180040 - 2DGP 최종 발표 프레젠테이션 (예정).pptx
@@ -224,7 +224,7 @@
               <a:pPr lvl="0">
                 <a:defRPr lang="ko-KR" altLang="en-US"/>
               </a:pPr>
-              <a:t>2022-11-19</a:t>
+              <a:t>2022-12-03</a:t>
             </a:fld>
             <a:endParaRPr lang="ko-KR" altLang="en-US"/>
           </a:p>
@@ -784,7 +784,7 @@
           <a:p>
             <a:fld id="{5DEF9E08-89F7-4BEF-8B6A-F0B3DC75C2BF}" type="datetimeFigureOut">
               <a:rPr lang="ko-KR" altLang="en-US" smtClean="0"/>
-              <a:t>2022-11-19</a:t>
+              <a:t>2022-12-03</a:t>
             </a:fld>
             <a:endParaRPr lang="ko-KR" altLang="en-US"/>
           </a:p>
@@ -2588,7 +2588,7 @@
           <a:p>
             <a:fld id="{5DEF9E08-89F7-4BEF-8B6A-F0B3DC75C2BF}" type="datetimeFigureOut">
               <a:rPr lang="ko-KR" altLang="en-US" smtClean="0"/>
-              <a:t>2022-11-19</a:t>
+              <a:t>2022-12-03</a:t>
             </a:fld>
             <a:endParaRPr lang="ko-KR" altLang="en-US"/>
           </a:p>
@@ -2768,7 +2768,7 @@
           <a:p>
             <a:fld id="{5DEF9E08-89F7-4BEF-8B6A-F0B3DC75C2BF}" type="datetimeFigureOut">
               <a:rPr lang="ko-KR" altLang="en-US" smtClean="0"/>
-              <a:t>2022-11-19</a:t>
+              <a:t>2022-12-03</a:t>
             </a:fld>
             <a:endParaRPr lang="ko-KR" altLang="en-US"/>
           </a:p>
@@ -2943,7 +2943,7 @@
           <a:p>
             <a:fld id="{5DEF9E08-89F7-4BEF-8B6A-F0B3DC75C2BF}" type="datetimeFigureOut">
               <a:rPr lang="ko-KR" altLang="en-US" smtClean="0"/>
-              <a:t>2022-11-19</a:t>
+              <a:t>2022-12-03</a:t>
             </a:fld>
             <a:endParaRPr lang="ko-KR" altLang="en-US"/>
           </a:p>
@@ -3191,7 +3191,7 @@
           <a:p>
             <a:fld id="{5DEF9E08-89F7-4BEF-8B6A-F0B3DC75C2BF}" type="datetimeFigureOut">
               <a:rPr lang="ko-KR" altLang="en-US" smtClean="0"/>
-              <a:t>2022-11-19</a:t>
+              <a:t>2022-12-03</a:t>
             </a:fld>
             <a:endParaRPr lang="ko-KR" altLang="en-US"/>
           </a:p>
@@ -5113,7 +5113,7 @@
           <a:p>
             <a:fld id="{5DEF9E08-89F7-4BEF-8B6A-F0B3DC75C2BF}" type="datetimeFigureOut">
               <a:rPr lang="ko-KR" altLang="en-US" smtClean="0"/>
-              <a:t>2022-11-19</a:t>
+              <a:t>2022-12-03</a:t>
             </a:fld>
             <a:endParaRPr lang="ko-KR" altLang="en-US"/>
           </a:p>
@@ -5549,7 +5549,7 @@
           <a:p>
             <a:fld id="{5DEF9E08-89F7-4BEF-8B6A-F0B3DC75C2BF}" type="datetimeFigureOut">
               <a:rPr lang="ko-KR" altLang="en-US" smtClean="0"/>
-              <a:t>2022-11-19</a:t>
+              <a:t>2022-12-03</a:t>
             </a:fld>
             <a:endParaRPr lang="ko-KR" altLang="en-US"/>
           </a:p>
@@ -5667,7 +5667,7 @@
           <a:p>
             <a:fld id="{5DEF9E08-89F7-4BEF-8B6A-F0B3DC75C2BF}" type="datetimeFigureOut">
               <a:rPr lang="ko-KR" altLang="en-US" smtClean="0"/>
-              <a:t>2022-11-19</a:t>
+              <a:t>2022-12-03</a:t>
             </a:fld>
             <a:endParaRPr lang="ko-KR" altLang="en-US"/>
           </a:p>
@@ -5762,7 +5762,7 @@
           <a:p>
             <a:fld id="{5DEF9E08-89F7-4BEF-8B6A-F0B3DC75C2BF}" type="datetimeFigureOut">
               <a:rPr lang="ko-KR" altLang="en-US" smtClean="0"/>
-              <a:t>2022-11-19</a:t>
+              <a:t>2022-12-03</a:t>
             </a:fld>
             <a:endParaRPr lang="ko-KR" altLang="en-US"/>
           </a:p>
@@ -6059,7 +6059,7 @@
           <a:p>
             <a:fld id="{5DEF9E08-89F7-4BEF-8B6A-F0B3DC75C2BF}" type="datetimeFigureOut">
               <a:rPr lang="ko-KR" altLang="en-US" smtClean="0"/>
-              <a:t>2022-11-19</a:t>
+              <a:t>2022-12-03</a:t>
             </a:fld>
             <a:endParaRPr lang="ko-KR" altLang="en-US"/>
           </a:p>
@@ -6331,7 +6331,7 @@
           <a:p>
             <a:fld id="{5DEF9E08-89F7-4BEF-8B6A-F0B3DC75C2BF}" type="datetimeFigureOut">
               <a:rPr lang="ko-KR" altLang="en-US" smtClean="0"/>
-              <a:t>2022-11-19</a:t>
+              <a:t>2022-12-03</a:t>
             </a:fld>
             <a:endParaRPr lang="ko-KR" altLang="en-US"/>
           </a:p>
@@ -9444,7 +9444,7 @@
           <a:p>
             <a:fld id="{5DEF9E08-89F7-4BEF-8B6A-F0B3DC75C2BF}" type="datetimeFigureOut">
               <a:rPr lang="ko-KR" altLang="en-US" smtClean="0"/>
-              <a:t>2022-11-19</a:t>
+              <a:t>2022-12-03</a:t>
             </a:fld>
             <a:endParaRPr lang="ko-KR" altLang="en-US"/>
           </a:p>
